--- a/PPT/Angular19-Cordova.pptx
+++ b/PPT/Angular19-Cordova.pptx
@@ -3599,8 +3599,12 @@
           <a:lstStyle/>
           <a:p>
             <a:r>
-              <a:rPr lang="fr-FR" smtClean="0"/>
-              <a:t>Chapitre 18</a:t>
+              <a:rPr lang="fr-FR" dirty="0" smtClean="0"/>
+              <a:t>Chapitre </a:t>
+            </a:r>
+            <a:r>
+              <a:rPr lang="fr-FR" dirty="0" smtClean="0"/>
+              <a:t>19</a:t>
             </a:r>
             <a:endParaRPr lang="fr-FR" dirty="0"/>
           </a:p>

--- a/PPT/Angular19-Cordova.pptx
+++ b/PPT/Angular19-Cordova.pptx
@@ -3600,11 +3600,7 @@
           <a:p>
             <a:r>
               <a:rPr lang="fr-FR" dirty="0" smtClean="0"/>
-              <a:t>Chapitre </a:t>
-            </a:r>
-            <a:r>
-              <a:rPr lang="fr-FR" dirty="0" smtClean="0"/>
-              <a:t>19</a:t>
+              <a:t>Chapitre 19</a:t>
             </a:r>
             <a:endParaRPr lang="fr-FR" dirty="0"/>
           </a:p>
@@ -8966,7 +8962,7 @@
         <p:spPr>
           <a:xfrm>
             <a:off x="279400" y="1312863"/>
-            <a:ext cx="8599488" cy="4437112"/>
+            <a:ext cx="8599488" cy="3554819"/>
           </a:xfrm>
         </p:spPr>
         <p:txBody>
@@ -8986,47 +8982,34 @@
             </a:r>
           </a:p>
           <a:p>
+            <a:r>
+              <a:rPr lang="fr-FR" dirty="0" smtClean="0"/>
+              <a:t>Variables </a:t>
+            </a:r>
+            <a:r>
+              <a:rPr lang="fr-FR" dirty="0" smtClean="0"/>
+              <a:t>d’environnement</a:t>
+            </a:r>
+          </a:p>
+          <a:p>
             <a:pPr lvl="1"/>
             <a:r>
-              <a:rPr lang="fr-FR" dirty="0" err="1" smtClean="0"/>
-              <a:t>Ant</a:t>
-            </a:r>
-            <a:r>
               <a:rPr lang="fr-FR" dirty="0" smtClean="0"/>
-              <a:t> (</a:t>
-            </a:r>
-            <a:r>
-              <a:rPr lang="fr-FR" dirty="0" err="1" smtClean="0"/>
-              <a:t>WinAnt</a:t>
+              <a:t>ANDROID_HOME qui pointe sur le </a:t>
             </a:r>
             <a:r>
               <a:rPr lang="fr-FR" dirty="0" smtClean="0"/>
-              <a:t> pour Windows)</a:t>
-            </a:r>
-          </a:p>
-          <a:p>
+              <a:t>Android SDK</a:t>
+            </a:r>
+            <a:endParaRPr lang="fr-FR" dirty="0" smtClean="0"/>
+          </a:p>
+          <a:p>
+            <a:pPr lvl="1"/>
             <a:r>
               <a:rPr lang="fr-FR" dirty="0" smtClean="0"/>
-              <a:t>Variables d’environnement</a:t>
-            </a:r>
-          </a:p>
-          <a:p>
-            <a:pPr lvl="1"/>
-            <a:r>
-              <a:rPr lang="fr-FR" dirty="0" smtClean="0"/>
-              <a:t>ANDROID_HOME qui pointe sur le SDK</a:t>
-            </a:r>
-          </a:p>
-          <a:p>
-            <a:pPr lvl="1"/>
-            <a:r>
-              <a:rPr lang="fr-FR" dirty="0" err="1" smtClean="0"/>
-              <a:t>Ant</a:t>
-            </a:r>
-            <a:r>
-              <a:rPr lang="fr-FR" dirty="0" smtClean="0"/>
-              <a:t> dans le PATH</a:t>
-            </a:r>
+              <a:t>JAVA_HOME qui pointe sur le Java SDK</a:t>
+            </a:r>
+            <a:endParaRPr lang="fr-FR" dirty="0" smtClean="0"/>
           </a:p>
           <a:p>
             <a:r>
@@ -9072,27 +9055,16 @@
           <a:p>
             <a:pPr lvl="1"/>
             <a:r>
-              <a:rPr lang="fr-FR" dirty="0" smtClean="0"/>
-              <a:t>-g </a:t>
-            </a:r>
-            <a:r>
-              <a:rPr lang="fr-FR" dirty="0"/>
-              <a:t>répertoire d’installation dans C:\</a:t>
-            </a:r>
-            <a:r>
-              <a:rPr lang="fr-FR" dirty="0" smtClean="0"/>
-              <a:t>Users\Cyril\AppData\Roaming\npm\node_modules</a:t>
-            </a:r>
-          </a:p>
-          <a:p>
-            <a:pPr lvl="1"/>
-            <a:r>
               <a:rPr lang="fr-FR" dirty="0" err="1" smtClean="0"/>
               <a:t>Cordova</a:t>
             </a:r>
             <a:r>
               <a:rPr lang="fr-FR" dirty="0" smtClean="0"/>
-              <a:t> -v</a:t>
+              <a:t> </a:t>
+            </a:r>
+            <a:r>
+              <a:rPr lang="fr-FR" dirty="0" smtClean="0"/>
+              <a:t>-v</a:t>
             </a:r>
           </a:p>
           <a:p>
@@ -9356,7 +9328,7 @@
         <p:spPr>
           <a:xfrm>
             <a:off x="279400" y="1312863"/>
-            <a:ext cx="8599488" cy="3703578"/>
+            <a:ext cx="8599488" cy="3400931"/>
           </a:xfrm>
         </p:spPr>
         <p:txBody>
@@ -9447,23 +9419,13 @@
             </a:r>
             <a:r>
               <a:rPr lang="en-US" dirty="0"/>
-              <a:t> platform add wp8</a:t>
-            </a:r>
-          </a:p>
-          <a:p>
-            <a:pPr lvl="1"/>
-            <a:r>
-              <a:rPr lang="en-US" dirty="0" err="1"/>
-              <a:t>cordova</a:t>
-            </a:r>
-            <a:r>
-              <a:rPr lang="en-US" dirty="0"/>
               <a:t> platform add </a:t>
             </a:r>
             <a:r>
-              <a:rPr lang="en-US" dirty="0" smtClean="0"/>
-              <a:t>browser</a:t>
-            </a:r>
+              <a:rPr lang="en-US" dirty="0" err="1" smtClean="0"/>
+              <a:t>ios</a:t>
+            </a:r>
+            <a:endParaRPr lang="en-US" dirty="0" smtClean="0"/>
           </a:p>
           <a:p>
             <a:r>
